--- a/CTT+/PowerShell Basics/CTT+ - Powershell basics.pptx
+++ b/CTT+/PowerShell Basics/CTT+ - Powershell basics.pptx
@@ -16,7 +16,8 @@
     <p:sldId id="267" r:id="rId10"/>
     <p:sldId id="268" r:id="rId11"/>
     <p:sldId id="270" r:id="rId12"/>
-    <p:sldId id="269" r:id="rId13"/>
+    <p:sldId id="271" r:id="rId13"/>
+    <p:sldId id="269" r:id="rId14"/>
   </p:sldIdLst>
   <p:sldSz cx="12192000" cy="6858000"/>
   <p:notesSz cx="6858000" cy="9144000"/>
@@ -8017,7 +8018,7 @@
           <a:p>
             <a:fld id="{2395C5C9-164C-46B3-A87E-7660D39D3106}" type="datetime2">
               <a:rPr lang="en-US" smtClean="0"/>
-              <a:t>Tuesday, November 3, 2020</a:t>
+              <a:t>Sunday, November 29, 2020</a:t>
             </a:fld>
             <a:endParaRPr lang="en-US" dirty="0"/>
           </a:p>
@@ -8220,7 +8221,7 @@
           <a:p>
             <a:fld id="{5B75179A-1E2B-41AB-B400-4F1B4022FAEE}" type="datetime2">
               <a:rPr lang="en-US" smtClean="0"/>
-              <a:t>Tuesday, November 3, 2020</a:t>
+              <a:t>Sunday, November 29, 2020</a:t>
             </a:fld>
             <a:endParaRPr lang="en-US"/>
           </a:p>
@@ -8433,7 +8434,7 @@
           <a:p>
             <a:fld id="{05681D0F-6595-4F14-8EF3-954CD87C797B}" type="datetime2">
               <a:rPr lang="en-US" smtClean="0"/>
-              <a:t>Tuesday, November 3, 2020</a:t>
+              <a:t>Sunday, November 29, 2020</a:t>
             </a:fld>
             <a:endParaRPr lang="en-US"/>
           </a:p>
@@ -8635,7 +8636,7 @@
           <a:p>
             <a:fld id="{4DDCFF8A-AAF8-4A12-8A91-9CA0EAF6CBB9}" type="datetime2">
               <a:rPr lang="en-US" smtClean="0"/>
-              <a:t>Tuesday, November 3, 2020</a:t>
+              <a:t>Sunday, November 29, 2020</a:t>
             </a:fld>
             <a:endParaRPr lang="en-US" dirty="0"/>
           </a:p>
@@ -8914,7 +8915,7 @@
           <a:p>
             <a:fld id="{ABCC25C3-021A-4B0B-8F70-0C181FE1CF45}" type="datetime2">
               <a:rPr lang="en-US" smtClean="0"/>
-              <a:t>Tuesday, November 3, 2020</a:t>
+              <a:t>Sunday, November 29, 2020</a:t>
             </a:fld>
             <a:endParaRPr lang="en-US"/>
           </a:p>
@@ -9174,7 +9175,7 @@
           <a:p>
             <a:fld id="{0C23D88D-8CEC-4ED9-A53B-5596187D9A16}" type="datetime2">
               <a:rPr lang="en-US" smtClean="0"/>
-              <a:t>Tuesday, November 3, 2020</a:t>
+              <a:t>Sunday, November 29, 2020</a:t>
             </a:fld>
             <a:endParaRPr lang="en-US"/>
           </a:p>
@@ -9590,7 +9591,7 @@
           <a:p>
             <a:fld id="{D2CCD382-DFDA-4722-A27A-59C21AD112F2}" type="datetime2">
               <a:rPr lang="en-US" smtClean="0"/>
-              <a:t>Tuesday, November 3, 2020</a:t>
+              <a:t>Sunday, November 29, 2020</a:t>
             </a:fld>
             <a:endParaRPr lang="en-US"/>
           </a:p>
@@ -9735,7 +9736,7 @@
           <a:p>
             <a:fld id="{22F2A30D-1C09-413F-AAB1-38F366000715}" type="datetime2">
               <a:rPr lang="en-US" smtClean="0"/>
-              <a:t>Tuesday, November 3, 2020</a:t>
+              <a:t>Sunday, November 29, 2020</a:t>
             </a:fld>
             <a:endParaRPr lang="en-US"/>
           </a:p>
@@ -9857,7 +9858,7 @@
           <a:p>
             <a:fld id="{6DB82B9C-D65E-4F64-95C3-B10F3B00F0D9}" type="datetime2">
               <a:rPr lang="en-US" smtClean="0"/>
-              <a:t>Tuesday, November 3, 2020</a:t>
+              <a:t>Sunday, November 29, 2020</a:t>
             </a:fld>
             <a:endParaRPr lang="en-US"/>
           </a:p>
@@ -10180,7 +10181,7 @@
           <a:p>
             <a:fld id="{B7F5FDCC-6AAC-4A08-B9E0-3793AB5E64C3}" type="datetime2">
               <a:rPr lang="en-US" smtClean="0"/>
-              <a:t>Tuesday, November 3, 2020</a:t>
+              <a:t>Sunday, November 29, 2020</a:t>
             </a:fld>
             <a:endParaRPr lang="en-US"/>
           </a:p>
@@ -10468,7 +10469,7 @@
           <a:p>
             <a:fld id="{349FE94D-439C-40F1-900E-BC07940E3988}" type="datetime2">
               <a:rPr lang="en-US" smtClean="0"/>
-              <a:t>Tuesday, November 3, 2020</a:t>
+              <a:t>Sunday, November 29, 2020</a:t>
             </a:fld>
             <a:endParaRPr lang="en-US"/>
           </a:p>
@@ -10756,7 +10757,7 @@
           <a:p>
             <a:fld id="{8DEA2CF1-0EB2-4673-802D-3371233E4A77}" type="datetime2">
               <a:rPr lang="en-US" smtClean="0"/>
-              <a:t>Tuesday, November 3, 2020</a:t>
+              <a:t>Sunday, November 29, 2020</a:t>
             </a:fld>
             <a:endParaRPr lang="en-US" dirty="0"/>
           </a:p>
@@ -12584,6 +12585,576 @@
 </file>
 
 <file path=ppt/slides/slide12.xml><?xml version="1.0" encoding="utf-8"?>
+<p:sld xmlns:a="http://schemas.openxmlformats.org/drawingml/2006/main" xmlns:r="http://schemas.openxmlformats.org/officeDocument/2006/relationships" xmlns:p="http://schemas.openxmlformats.org/presentationml/2006/main">
+  <p:cSld>
+    <p:bg>
+      <p:bgPr>
+        <a:solidFill>
+          <a:schemeClr val="bg2"/>
+        </a:solidFill>
+        <a:effectLst/>
+      </p:bgPr>
+    </p:bg>
+    <p:spTree>
+      <p:nvGrpSpPr>
+        <p:cNvPr id="1" name=""/>
+        <p:cNvGrpSpPr/>
+        <p:nvPr/>
+      </p:nvGrpSpPr>
+      <p:grpSpPr>
+        <a:xfrm>
+          <a:off x="0" y="0"/>
+          <a:ext cx="0" cy="0"/>
+          <a:chOff x="0" y="0"/>
+          <a:chExt cx="0" cy="0"/>
+        </a:xfrm>
+      </p:grpSpPr>
+      <p:sp useBgFill="1">
+        <p:nvSpPr>
+          <p:cNvPr id="17" name="Rectangle 16">
+            <a:extLst>
+              <a:ext uri="{FF2B5EF4-FFF2-40B4-BE49-F238E27FC236}">
+                <a16:creationId xmlns:a16="http://schemas.microsoft.com/office/drawing/2014/main" id="{2A3E2477-CB24-4FE6-B9C0-F9800FF83EF6}"/>
+              </a:ext>
+              <a:ext uri="{C183D7F6-B498-43B3-948B-1728B52AA6E4}">
+                <adec:decorative xmlns:adec="http://schemas.microsoft.com/office/drawing/2017/decorative" val="1"/>
+              </a:ext>
+            </a:extLst>
+          </p:cNvPr>
+          <p:cNvSpPr>
+            <a:spLocks noGrp="1" noRot="1" noChangeAspect="1" noMove="1" noResize="1" noEditPoints="1" noAdjustHandles="1" noChangeArrowheads="1" noChangeShapeType="1" noTextEdit="1"/>
+          </p:cNvSpPr>
+          <p:nvPr>
+            <p:extLst>
+              <p:ext uri="{386F3935-93C4-4BCD-93E2-E3B085C9AB24}">
+                <p16:designElem xmlns:p16="http://schemas.microsoft.com/office/powerpoint/2015/main" val="1"/>
+              </p:ext>
+            </p:extLst>
+          </p:nvPr>
+        </p:nvSpPr>
+        <p:spPr>
+          <a:xfrm>
+            <a:off x="0" y="0"/>
+            <a:ext cx="12192000" cy="6858000"/>
+          </a:xfrm>
+          <a:prstGeom prst="rect">
+            <a:avLst/>
+          </a:prstGeom>
+          <a:ln w="12700" cap="flat" cmpd="sng" algn="ctr">
+            <a:noFill/>
+            <a:prstDash val="solid"/>
+            <a:miter lim="800000"/>
+          </a:ln>
+          <a:effectLst/>
+        </p:spPr>
+        <p:style>
+          <a:lnRef idx="2">
+            <a:schemeClr val="accent1">
+              <a:shade val="50000"/>
+            </a:schemeClr>
+          </a:lnRef>
+          <a:fillRef idx="1">
+            <a:schemeClr val="accent1"/>
+          </a:fillRef>
+          <a:effectRef idx="0">
+            <a:schemeClr val="accent1"/>
+          </a:effectRef>
+          <a:fontRef idx="minor">
+            <a:schemeClr val="lt1"/>
+          </a:fontRef>
+        </p:style>
+        <p:txBody>
+          <a:bodyPr rtlCol="0" anchor="ctr"/>
+          <a:lstStyle/>
+          <a:p>
+            <a:pPr algn="ctr"/>
+            <a:endParaRPr lang="en-US"/>
+          </a:p>
+        </p:txBody>
+      </p:sp>
+      <p:sp>
+        <p:nvSpPr>
+          <p:cNvPr id="19" name="Rectangle 18">
+            <a:extLst>
+              <a:ext uri="{FF2B5EF4-FFF2-40B4-BE49-F238E27FC236}">
+                <a16:creationId xmlns:a16="http://schemas.microsoft.com/office/drawing/2014/main" id="{B965638C-2268-4A1B-96C3-95E79EF44B96}"/>
+              </a:ext>
+              <a:ext uri="{C183D7F6-B498-43B3-948B-1728B52AA6E4}">
+                <adec:decorative xmlns:adec="http://schemas.microsoft.com/office/drawing/2017/decorative" val="1"/>
+              </a:ext>
+            </a:extLst>
+          </p:cNvPr>
+          <p:cNvSpPr>
+            <a:spLocks noGrp="1" noRot="1" noChangeAspect="1" noMove="1" noResize="1" noEditPoints="1" noAdjustHandles="1" noChangeArrowheads="1" noChangeShapeType="1" noTextEdit="1"/>
+          </p:cNvSpPr>
+          <p:nvPr>
+            <p:extLst>
+              <p:ext uri="{386F3935-93C4-4BCD-93E2-E3B085C9AB24}">
+                <p16:designElem xmlns:p16="http://schemas.microsoft.com/office/powerpoint/2015/main" val="1"/>
+              </p:ext>
+            </p:extLst>
+          </p:nvPr>
+        </p:nvSpPr>
+        <p:spPr>
+          <a:xfrm>
+            <a:off x="0" y="0"/>
+            <a:ext cx="12192000" cy="6858000"/>
+          </a:xfrm>
+          <a:prstGeom prst="rect">
+            <a:avLst/>
+          </a:prstGeom>
+          <a:solidFill>
+            <a:schemeClr val="bg2">
+              <a:lumMod val="90000"/>
+              <a:lumOff val="10000"/>
+            </a:schemeClr>
+          </a:solidFill>
+          <a:ln w="12700" cap="flat" cmpd="sng" algn="ctr">
+            <a:noFill/>
+            <a:prstDash val="solid"/>
+            <a:miter lim="800000"/>
+          </a:ln>
+          <a:effectLst/>
+        </p:spPr>
+        <p:style>
+          <a:lnRef idx="2">
+            <a:schemeClr val="accent1">
+              <a:shade val="50000"/>
+            </a:schemeClr>
+          </a:lnRef>
+          <a:fillRef idx="1">
+            <a:schemeClr val="accent1"/>
+          </a:fillRef>
+          <a:effectRef idx="0">
+            <a:schemeClr val="accent1"/>
+          </a:effectRef>
+          <a:fontRef idx="minor">
+            <a:schemeClr val="lt1"/>
+          </a:fontRef>
+        </p:style>
+        <p:txBody>
+          <a:bodyPr rtlCol="0" anchor="ctr"/>
+          <a:lstStyle/>
+          <a:p>
+            <a:pPr algn="ctr"/>
+            <a:endParaRPr lang="en-US"/>
+          </a:p>
+        </p:txBody>
+      </p:sp>
+      <p:sp>
+        <p:nvSpPr>
+          <p:cNvPr id="2" name="Title 1">
+            <a:extLst>
+              <a:ext uri="{FF2B5EF4-FFF2-40B4-BE49-F238E27FC236}">
+                <a16:creationId xmlns:a16="http://schemas.microsoft.com/office/drawing/2014/main" id="{8C537D5A-1F8B-4E8E-A54D-383D6D8ACA1A}"/>
+              </a:ext>
+            </a:extLst>
+          </p:cNvPr>
+          <p:cNvSpPr>
+            <a:spLocks noGrp="1"/>
+          </p:cNvSpPr>
+          <p:nvPr>
+            <p:ph type="title"/>
+          </p:nvPr>
+        </p:nvSpPr>
+        <p:spPr>
+          <a:xfrm>
+            <a:off x="720000" y="619200"/>
+            <a:ext cx="4991961" cy="1477328"/>
+          </a:xfrm>
+        </p:spPr>
+        <p:txBody>
+          <a:bodyPr wrap="square" anchor="ctr">
+            <a:normAutofit/>
+          </a:bodyPr>
+          <a:lstStyle/>
+          <a:p>
+            <a:r>
+              <a:rPr lang="en-US"/>
+              <a:t>Waar</a:t>
+            </a:r>
+            <a:r>
+              <a:rPr lang="en-US" dirty="0"/>
+              <a:t> </a:t>
+            </a:r>
+            <a:r>
+              <a:rPr lang="en-US"/>
+              <a:t>kan</a:t>
+            </a:r>
+            <a:r>
+              <a:rPr lang="en-US" dirty="0"/>
+              <a:t> </a:t>
+            </a:r>
+            <a:r>
+              <a:rPr lang="en-US"/>
+              <a:t>meer</a:t>
+            </a:r>
+            <a:r>
+              <a:rPr lang="en-US" dirty="0"/>
+              <a:t> </a:t>
+            </a:r>
+            <a:r>
+              <a:rPr lang="en-US"/>
+              <a:t>informatie</a:t>
+            </a:r>
+            <a:r>
+              <a:rPr lang="en-US" dirty="0"/>
+              <a:t> </a:t>
+            </a:r>
+            <a:r>
+              <a:rPr lang="en-US"/>
+              <a:t>krijgen</a:t>
+            </a:r>
+            <a:r>
+              <a:rPr lang="en-US" dirty="0"/>
+              <a:t>?</a:t>
+            </a:r>
+          </a:p>
+        </p:txBody>
+      </p:sp>
+      <p:sp>
+        <p:nvSpPr>
+          <p:cNvPr id="3" name="Content Placeholder 2">
+            <a:extLst>
+              <a:ext uri="{FF2B5EF4-FFF2-40B4-BE49-F238E27FC236}">
+                <a16:creationId xmlns:a16="http://schemas.microsoft.com/office/drawing/2014/main" id="{E6F5CE2C-05B3-49B8-91A4-436DBC07015A}"/>
+              </a:ext>
+            </a:extLst>
+          </p:cNvPr>
+          <p:cNvSpPr>
+            <a:spLocks noGrp="1"/>
+          </p:cNvSpPr>
+          <p:nvPr>
+            <p:ph idx="1"/>
+          </p:nvPr>
+        </p:nvSpPr>
+        <p:spPr>
+          <a:xfrm>
+            <a:off x="720000" y="2541600"/>
+            <a:ext cx="4991962" cy="3216273"/>
+          </a:xfrm>
+        </p:spPr>
+        <p:txBody>
+          <a:bodyPr>
+            <a:normAutofit/>
+          </a:bodyPr>
+          <a:lstStyle/>
+          <a:p>
+            <a:pPr>
+              <a:lnSpc>
+                <a:spcPct val="110000"/>
+              </a:lnSpc>
+            </a:pPr>
+            <a:r>
+              <a:rPr lang="en-US" sz="1400"/>
+              <a:t>Learn Windows PowerShell in a Month of Lunches</a:t>
+            </a:r>
+            <a:br>
+              <a:rPr lang="en-US" sz="1400"/>
+            </a:br>
+            <a:r>
+              <a:rPr lang="en-US" sz="1400">
+                <a:hlinkClick r:id="rId2"/>
+              </a:rPr>
+              <a:t>https://www.manning.com/liveaudio/learn-windows-powershell-in-a-month-of-lunches-third-edition</a:t>
+            </a:r>
+            <a:endParaRPr lang="en-US" sz="1400"/>
+          </a:p>
+          <a:p>
+            <a:pPr>
+              <a:lnSpc>
+                <a:spcPct val="110000"/>
+              </a:lnSpc>
+            </a:pPr>
+            <a:r>
+              <a:rPr lang="en-US" sz="1400"/>
+              <a:t>PowerShell 101</a:t>
+            </a:r>
+            <a:br>
+              <a:rPr lang="en-US" sz="1400"/>
+            </a:br>
+            <a:r>
+              <a:rPr lang="en-US" sz="1400">
+                <a:hlinkClick r:id="rId3"/>
+              </a:rPr>
+              <a:t>https://leanpub.com/powershell101</a:t>
+            </a:r>
+            <a:endParaRPr lang="en-US" sz="1400"/>
+          </a:p>
+          <a:p>
+            <a:pPr>
+              <a:lnSpc>
+                <a:spcPct val="110000"/>
+              </a:lnSpc>
+            </a:pPr>
+            <a:r>
+              <a:rPr lang="en-US" sz="1400"/>
+              <a:t>Getting started with Microsoft PowerShell</a:t>
+            </a:r>
+            <a:br>
+              <a:rPr lang="en-US" sz="1400"/>
+            </a:br>
+            <a:r>
+              <a:rPr lang="en-US" sz="1400">
+                <a:hlinkClick r:id="rId4"/>
+              </a:rPr>
+              <a:t>https://channel9.msdn.com/Series/Getting-Started-with-Microsoft-PowerShell</a:t>
+            </a:r>
+            <a:endParaRPr lang="en-US" sz="1400"/>
+          </a:p>
+          <a:p>
+            <a:pPr>
+              <a:lnSpc>
+                <a:spcPct val="110000"/>
+              </a:lnSpc>
+            </a:pPr>
+            <a:r>
+              <a:rPr lang="en-US" sz="1400"/>
+              <a:t>Advanced Tools &amp; Scripting with PowerShell 3.0 Jump start</a:t>
+            </a:r>
+            <a:br>
+              <a:rPr lang="en-US" sz="1400"/>
+            </a:br>
+            <a:r>
+              <a:rPr lang="en-US" sz="1400">
+                <a:hlinkClick r:id="rId5"/>
+              </a:rPr>
+              <a:t>https://channel9.msdn.com/Series/Advanced-Tools-and-Scripting-with-PowerShell-3.0-Jump-Start</a:t>
+            </a:r>
+            <a:endParaRPr lang="en-US" sz="1400"/>
+          </a:p>
+          <a:p>
+            <a:pPr>
+              <a:lnSpc>
+                <a:spcPct val="110000"/>
+              </a:lnSpc>
+            </a:pPr>
+            <a:endParaRPr lang="en-US" sz="1400"/>
+          </a:p>
+          <a:p>
+            <a:pPr>
+              <a:lnSpc>
+                <a:spcPct val="110000"/>
+              </a:lnSpc>
+            </a:pPr>
+            <a:endParaRPr lang="en-US" sz="1400"/>
+          </a:p>
+        </p:txBody>
+      </p:sp>
+      <p:sp useBgFill="1">
+        <p:nvSpPr>
+          <p:cNvPr id="21" name="Freeform: Shape 20">
+            <a:extLst>
+              <a:ext uri="{FF2B5EF4-FFF2-40B4-BE49-F238E27FC236}">
+                <a16:creationId xmlns:a16="http://schemas.microsoft.com/office/drawing/2014/main" id="{97D0825D-5142-4F4A-A141-3CCD5E99CB4F}"/>
+              </a:ext>
+              <a:ext uri="{C183D7F6-B498-43B3-948B-1728B52AA6E4}">
+                <adec:decorative xmlns:adec="http://schemas.microsoft.com/office/drawing/2017/decorative" val="1"/>
+              </a:ext>
+            </a:extLst>
+          </p:cNvPr>
+          <p:cNvSpPr>
+            <a:spLocks noGrp="1" noRot="1" noChangeAspect="1" noMove="1" noResize="1" noEditPoints="1" noAdjustHandles="1" noChangeArrowheads="1" noChangeShapeType="1" noTextEdit="1"/>
+          </p:cNvSpPr>
+          <p:nvPr>
+            <p:extLst>
+              <p:ext uri="{386F3935-93C4-4BCD-93E2-E3B085C9AB24}">
+                <p16:designElem xmlns:p16="http://schemas.microsoft.com/office/powerpoint/2015/main" val="1"/>
+              </p:ext>
+            </p:extLst>
+          </p:nvPr>
+        </p:nvSpPr>
+        <p:spPr bwMode="auto">
+          <a:xfrm rot="16200000">
+            <a:off x="5867335" y="533334"/>
+            <a:ext cx="6858000" cy="5791331"/>
+          </a:xfrm>
+          <a:custGeom>
+            <a:avLst/>
+            <a:gdLst>
+              <a:gd name="connsiteX0" fmla="*/ 6858000 w 6858000"/>
+              <a:gd name="connsiteY0" fmla="*/ 14535 h 5791331"/>
+              <a:gd name="connsiteX1" fmla="*/ 6858000 w 6858000"/>
+              <a:gd name="connsiteY1" fmla="*/ 5791331 h 5791331"/>
+              <a:gd name="connsiteX2" fmla="*/ 0 w 6858000"/>
+              <a:gd name="connsiteY2" fmla="*/ 5791330 h 5791331"/>
+              <a:gd name="connsiteX3" fmla="*/ 0 w 6858000"/>
+              <a:gd name="connsiteY3" fmla="*/ 0 h 5791331"/>
+              <a:gd name="connsiteX4" fmla="*/ 145832 w 6858000"/>
+              <a:gd name="connsiteY4" fmla="*/ 1175 h 5791331"/>
+              <a:gd name="connsiteX5" fmla="*/ 2611132 w 6858000"/>
+              <a:gd name="connsiteY5" fmla="*/ 48625 h 5791331"/>
+              <a:gd name="connsiteX6" fmla="*/ 6643031 w 6858000"/>
+              <a:gd name="connsiteY6" fmla="*/ 15010 h 5791331"/>
+            </a:gdLst>
+            <a:ahLst/>
+            <a:cxnLst>
+              <a:cxn ang="0">
+                <a:pos x="connsiteX0" y="connsiteY0"/>
+              </a:cxn>
+              <a:cxn ang="0">
+                <a:pos x="connsiteX1" y="connsiteY1"/>
+              </a:cxn>
+              <a:cxn ang="0">
+                <a:pos x="connsiteX2" y="connsiteY2"/>
+              </a:cxn>
+              <a:cxn ang="0">
+                <a:pos x="connsiteX3" y="connsiteY3"/>
+              </a:cxn>
+              <a:cxn ang="0">
+                <a:pos x="connsiteX4" y="connsiteY4"/>
+              </a:cxn>
+              <a:cxn ang="0">
+                <a:pos x="connsiteX5" y="connsiteY5"/>
+              </a:cxn>
+              <a:cxn ang="0">
+                <a:pos x="connsiteX6" y="connsiteY6"/>
+              </a:cxn>
+            </a:cxnLst>
+            <a:rect l="l" t="t" r="r" b="b"/>
+            <a:pathLst>
+              <a:path w="6858000" h="5791331">
+                <a:moveTo>
+                  <a:pt x="6858000" y="14535"/>
+                </a:moveTo>
+                <a:lnTo>
+                  <a:pt x="6858000" y="5791331"/>
+                </a:lnTo>
+                <a:lnTo>
+                  <a:pt x="0" y="5791330"/>
+                </a:lnTo>
+                <a:lnTo>
+                  <a:pt x="0" y="0"/>
+                </a:lnTo>
+                <a:lnTo>
+                  <a:pt x="145832" y="1175"/>
+                </a:lnTo>
+                <a:cubicBezTo>
+                  <a:pt x="886907" y="14750"/>
+                  <a:pt x="2228596" y="125101"/>
+                  <a:pt x="2611132" y="48625"/>
+                </a:cubicBezTo>
+                <a:cubicBezTo>
+                  <a:pt x="2933352" y="-3056"/>
+                  <a:pt x="5032814" y="16325"/>
+                  <a:pt x="6643031" y="15010"/>
+                </a:cubicBezTo>
+                <a:close/>
+              </a:path>
+            </a:pathLst>
+          </a:custGeom>
+          <a:ln w="12700" cap="flat" cmpd="sng" algn="ctr">
+            <a:noFill/>
+            <a:prstDash val="solid"/>
+            <a:miter lim="800000"/>
+          </a:ln>
+          <a:effectLst/>
+        </p:spPr>
+        <p:style>
+          <a:lnRef idx="2">
+            <a:schemeClr val="accent1">
+              <a:shade val="50000"/>
+            </a:schemeClr>
+          </a:lnRef>
+          <a:fillRef idx="1">
+            <a:schemeClr val="accent1"/>
+          </a:fillRef>
+          <a:effectRef idx="0">
+            <a:schemeClr val="accent1"/>
+          </a:effectRef>
+          <a:fontRef idx="minor">
+            <a:schemeClr val="lt1"/>
+          </a:fontRef>
+        </p:style>
+        <p:txBody>
+          <a:bodyPr wrap="square" rtlCol="0" anchor="ctr">
+            <a:noAutofit/>
+          </a:bodyPr>
+          <a:lstStyle/>
+          <a:p>
+            <a:pPr algn="ctr"/>
+            <a:endParaRPr lang="en-US" dirty="0">
+              <a:solidFill>
+                <a:schemeClr val="lt1"/>
+              </a:solidFill>
+            </a:endParaRPr>
+          </a:p>
+        </p:txBody>
+      </p:sp>
+      <p:pic>
+        <p:nvPicPr>
+          <p:cNvPr id="5" name="Graphic 4" descr="Open book outline">
+            <a:extLst>
+              <a:ext uri="{FF2B5EF4-FFF2-40B4-BE49-F238E27FC236}">
+                <a16:creationId xmlns:a16="http://schemas.microsoft.com/office/drawing/2014/main" id="{BE3AAB68-CC00-4750-8766-938BE12403FD}"/>
+              </a:ext>
+            </a:extLst>
+          </p:cNvPr>
+          <p:cNvPicPr>
+            <a:picLocks noChangeAspect="1"/>
+          </p:cNvPicPr>
+          <p:nvPr/>
+        </p:nvPicPr>
+        <p:blipFill>
+          <a:blip r:embed="rId6">
+            <a:extLst>
+              <a:ext uri="{28A0092B-C50C-407E-A947-70E740481C1C}">
+                <a14:useLocalDpi xmlns:a14="http://schemas.microsoft.com/office/drawing/2010/main" val="0"/>
+              </a:ext>
+              <a:ext uri="{96DAC541-7B7A-43D3-8B79-37D633B846F1}">
+                <asvg:svgBlip xmlns:asvg="http://schemas.microsoft.com/office/drawing/2016/SVG/main" r:embed="rId7"/>
+              </a:ext>
+            </a:extLst>
+          </a:blip>
+          <a:stretch>
+            <a:fillRect/>
+          </a:stretch>
+        </p:blipFill>
+        <p:spPr>
+          <a:xfrm>
+            <a:off x="7176162" y="1282669"/>
+            <a:ext cx="4284000" cy="4284000"/>
+          </a:xfrm>
+          <a:custGeom>
+            <a:avLst/>
+            <a:gdLst/>
+            <a:ahLst/>
+            <a:cxnLst/>
+            <a:rect l="l" t="t" r="r" b="b"/>
+            <a:pathLst>
+              <a:path w="4284000" h="5409338">
+                <a:moveTo>
+                  <a:pt x="0" y="0"/>
+                </a:moveTo>
+                <a:lnTo>
+                  <a:pt x="4284000" y="0"/>
+                </a:lnTo>
+                <a:lnTo>
+                  <a:pt x="4284000" y="5409338"/>
+                </a:lnTo>
+                <a:lnTo>
+                  <a:pt x="0" y="5409338"/>
+                </a:lnTo>
+                <a:close/>
+              </a:path>
+            </a:pathLst>
+          </a:custGeom>
+        </p:spPr>
+      </p:pic>
+    </p:spTree>
+    <p:extLst>
+      <p:ext uri="{BB962C8B-B14F-4D97-AF65-F5344CB8AC3E}">
+        <p14:creationId xmlns:p14="http://schemas.microsoft.com/office/powerpoint/2010/main" val="3996991138"/>
+      </p:ext>
+    </p:extLst>
+  </p:cSld>
+  <p:clrMapOvr>
+    <a:masterClrMapping/>
+  </p:clrMapOvr>
+</p:sld>
+</file>
+
+<file path=ppt/slides/slide13.xml><?xml version="1.0" encoding="utf-8"?>
 <p:sld xmlns:a="http://schemas.openxmlformats.org/drawingml/2006/main" xmlns:r="http://schemas.openxmlformats.org/officeDocument/2006/relationships" xmlns:p="http://schemas.openxmlformats.org/presentationml/2006/main">
   <p:cSld>
     <p:bg>
@@ -14869,163 +15440,6 @@
           </a:bodyPr>
           <a:lstStyle/>
           <a:p>
-            <a:pPr marL="0" indent="0">
-              <a:lnSpc>
-                <a:spcPct val="110000"/>
-              </a:lnSpc>
-              <a:buNone/>
-            </a:pPr>
-            <a:r>
-              <a:rPr lang="nl-NL" sz="8000" i="1" dirty="0"/>
-              <a:t>“Windows </a:t>
-            </a:r>
-            <a:r>
-              <a:rPr lang="nl-NL" sz="8000" i="1" dirty="0" err="1"/>
-              <a:t>PowerShell</a:t>
-            </a:r>
-            <a:r>
-              <a:rPr lang="nl-NL" sz="8000" i="1" dirty="0"/>
-              <a:t> is a </a:t>
-            </a:r>
-            <a:r>
-              <a:rPr lang="nl-NL" sz="8000" i="1" dirty="0">
-                <a:solidFill>
-                  <a:schemeClr val="accent4">
-                    <a:alpha val="58000"/>
-                  </a:schemeClr>
-                </a:solidFill>
-              </a:rPr>
-              <a:t>shell</a:t>
-            </a:r>
-            <a:r>
-              <a:rPr lang="nl-NL" sz="8000" i="1" dirty="0"/>
-              <a:t> </a:t>
-            </a:r>
-            <a:r>
-              <a:rPr lang="nl-NL" sz="8000" i="1" dirty="0" err="1"/>
-              <a:t>developed</a:t>
-            </a:r>
-            <a:r>
-              <a:rPr lang="nl-NL" sz="8000" i="1" dirty="0"/>
-              <a:t> </a:t>
-            </a:r>
-            <a:r>
-              <a:rPr lang="nl-NL" sz="8000" i="1" dirty="0" err="1"/>
-              <a:t>by</a:t>
-            </a:r>
-            <a:r>
-              <a:rPr lang="nl-NL" sz="8000" i="1" dirty="0"/>
-              <a:t> Microsoft </a:t>
-            </a:r>
-            <a:r>
-              <a:rPr lang="nl-NL" sz="8000" i="1" dirty="0" err="1"/>
-              <a:t>for</a:t>
-            </a:r>
-            <a:r>
-              <a:rPr lang="nl-NL" sz="8000" i="1" dirty="0"/>
-              <a:t> </a:t>
-            </a:r>
-            <a:r>
-              <a:rPr lang="nl-NL" sz="8000" i="1" dirty="0" err="1"/>
-              <a:t>purposes</a:t>
-            </a:r>
-            <a:r>
-              <a:rPr lang="nl-NL" sz="8000" i="1" dirty="0"/>
-              <a:t> of </a:t>
-            </a:r>
-            <a:r>
-              <a:rPr lang="nl-NL" sz="8000" i="1" dirty="0" err="1">
-                <a:solidFill>
-                  <a:schemeClr val="accent4">
-                    <a:alpha val="58000"/>
-                  </a:schemeClr>
-                </a:solidFill>
-              </a:rPr>
-              <a:t>task</a:t>
-            </a:r>
-            <a:r>
-              <a:rPr lang="nl-NL" sz="8000" i="1" dirty="0">
-                <a:solidFill>
-                  <a:schemeClr val="accent4">
-                    <a:alpha val="58000"/>
-                  </a:schemeClr>
-                </a:solidFill>
-              </a:rPr>
-              <a:t> </a:t>
-            </a:r>
-            <a:r>
-              <a:rPr lang="nl-NL" sz="8000" i="1" dirty="0" err="1">
-                <a:solidFill>
-                  <a:schemeClr val="accent4">
-                    <a:alpha val="58000"/>
-                  </a:schemeClr>
-                </a:solidFill>
-              </a:rPr>
-              <a:t>automation</a:t>
-            </a:r>
-            <a:r>
-              <a:rPr lang="nl-NL" sz="8000" i="1" dirty="0">
-                <a:solidFill>
-                  <a:schemeClr val="accent4">
-                    <a:alpha val="58000"/>
-                  </a:schemeClr>
-                </a:solidFill>
-              </a:rPr>
-              <a:t> </a:t>
-            </a:r>
-            <a:r>
-              <a:rPr lang="nl-NL" sz="8000" i="1" dirty="0" err="1"/>
-              <a:t>and</a:t>
-            </a:r>
-            <a:r>
-              <a:rPr lang="nl-NL" sz="8000" i="1" dirty="0"/>
-              <a:t> </a:t>
-            </a:r>
-            <a:r>
-              <a:rPr lang="nl-NL" sz="8000" i="1" dirty="0" err="1">
-                <a:solidFill>
-                  <a:schemeClr val="accent4">
-                    <a:alpha val="58000"/>
-                  </a:schemeClr>
-                </a:solidFill>
-              </a:rPr>
-              <a:t>configuration</a:t>
-            </a:r>
-            <a:r>
-              <a:rPr lang="nl-NL" sz="8000" i="1" dirty="0">
-                <a:solidFill>
-                  <a:schemeClr val="accent4">
-                    <a:alpha val="58000"/>
-                  </a:schemeClr>
-                </a:solidFill>
-              </a:rPr>
-              <a:t> management</a:t>
-            </a:r>
-            <a:r>
-              <a:rPr lang="nl-NL" sz="8000" i="1" dirty="0"/>
-              <a:t>.”</a:t>
-            </a:r>
-          </a:p>
-          <a:p>
-            <a:pPr>
-              <a:lnSpc>
-                <a:spcPct val="110000"/>
-              </a:lnSpc>
-            </a:pPr>
-            <a:r>
-              <a:rPr lang="nl-NL" sz="8000" dirty="0"/>
-              <a:t>Een </a:t>
-            </a:r>
-            <a:r>
-              <a:rPr lang="nl-NL" sz="8000" dirty="0" err="1"/>
-              <a:t>execution</a:t>
-            </a:r>
-            <a:r>
-              <a:rPr lang="nl-NL" sz="8000" dirty="0"/>
-              <a:t> engine gebaseerd op .NET Framework</a:t>
-            </a:r>
-          </a:p>
-          <a:p>
             <a:pPr>
               <a:lnSpc>
                 <a:spcPct val="110000"/>
@@ -15299,104 +15713,6 @@
                                           <p:spTgt spid="3">
                                             <p:txEl>
                                               <p:pRg st="3" end="3"/>
-                                            </p:txEl>
-                                          </p:spTgt>
-                                        </p:tgtEl>
-                                        <p:attrNameLst>
-                                          <p:attrName>style.visibility</p:attrName>
-                                        </p:attrNameLst>
-                                      </p:cBhvr>
-                                      <p:to>
-                                        <p:strVal val="visible"/>
-                                      </p:to>
-                                    </p:set>
-                                  </p:childTnLst>
-                                </p:cTn>
-                              </p:par>
-                            </p:childTnLst>
-                          </p:cTn>
-                        </p:par>
-                      </p:childTnLst>
-                    </p:cTn>
-                  </p:par>
-                  <p:par>
-                    <p:cTn id="19" fill="hold">
-                      <p:stCondLst>
-                        <p:cond delay="indefinite"/>
-                      </p:stCondLst>
-                      <p:childTnLst>
-                        <p:par>
-                          <p:cTn id="20" fill="hold">
-                            <p:stCondLst>
-                              <p:cond delay="0"/>
-                            </p:stCondLst>
-                            <p:childTnLst>
-                              <p:par>
-                                <p:cTn id="21" presetID="1" presetClass="entr" presetSubtype="0" fill="hold" grpId="0" nodeType="clickEffect">
-                                  <p:stCondLst>
-                                    <p:cond delay="0"/>
-                                  </p:stCondLst>
-                                  <p:childTnLst>
-                                    <p:set>
-                                      <p:cBhvr>
-                                        <p:cTn id="22" dur="1" fill="hold">
-                                          <p:stCondLst>
-                                            <p:cond delay="0"/>
-                                          </p:stCondLst>
-                                        </p:cTn>
-                                        <p:tgtEl>
-                                          <p:spTgt spid="3">
-                                            <p:txEl>
-                                              <p:pRg st="4" end="4"/>
-                                            </p:txEl>
-                                          </p:spTgt>
-                                        </p:tgtEl>
-                                        <p:attrNameLst>
-                                          <p:attrName>style.visibility</p:attrName>
-                                        </p:attrNameLst>
-                                      </p:cBhvr>
-                                      <p:to>
-                                        <p:strVal val="visible"/>
-                                      </p:to>
-                                    </p:set>
-                                  </p:childTnLst>
-                                </p:cTn>
-                              </p:par>
-                            </p:childTnLst>
-                          </p:cTn>
-                        </p:par>
-                      </p:childTnLst>
-                    </p:cTn>
-                  </p:par>
-                  <p:par>
-                    <p:cTn id="23" fill="hold">
-                      <p:stCondLst>
-                        <p:cond delay="indefinite"/>
-                      </p:stCondLst>
-                      <p:childTnLst>
-                        <p:par>
-                          <p:cTn id="24" fill="hold">
-                            <p:stCondLst>
-                              <p:cond delay="0"/>
-                            </p:stCondLst>
-                            <p:childTnLst>
-                              <p:par>
-                                <p:cTn id="25" presetID="1" presetClass="entr" presetSubtype="0" fill="hold" grpId="0" nodeType="clickEffect">
-                                  <p:stCondLst>
-                                    <p:cond delay="0"/>
-                                  </p:stCondLst>
-                                  <p:childTnLst>
-                                    <p:set>
-                                      <p:cBhvr>
-                                        <p:cTn id="26" dur="1" fill="hold">
-                                          <p:stCondLst>
-                                            <p:cond delay="0"/>
-                                          </p:stCondLst>
-                                        </p:cTn>
-                                        <p:tgtEl>
-                                          <p:spTgt spid="3">
-                                            <p:txEl>
-                                              <p:pRg st="5" end="5"/>
                                             </p:txEl>
                                           </p:spTgt>
                                         </p:tgtEl>
@@ -16255,7 +16571,7 @@
         </p:spPr>
         <p:txBody>
           <a:bodyPr vert="horz" lIns="0" tIns="0" rIns="0" bIns="0" rtlCol="0">
-            <a:normAutofit fontScale="92500" lnSpcReduction="20000"/>
+            <a:normAutofit/>
           </a:bodyPr>
           <a:lstStyle/>
           <a:p>
@@ -16292,11 +16608,11 @@
                 <a:uLnTx/>
                 <a:uFillTx/>
               </a:rPr>
-              <a:t>Windows PowerShell</a:t>
+              <a:t>Windows</a:t>
             </a:r>
           </a:p>
           <a:p>
-            <a:pPr marL="285750" lvl="1" indent="-228600" fontAlgn="base">
+            <a:pPr marL="285750" marR="0" lvl="1" indent="-228600" fontAlgn="base">
               <a:lnSpc>
                 <a:spcPct val="120000"/>
               </a:lnSpc>
@@ -16309,8 +16625,10 @@
               <a:buClr>
                 <a:schemeClr val="accent4"/>
               </a:buClr>
+              <a:buSzTx/>
               <a:buFont typeface="The Hand Extrablack" panose="03070A02030502020204" pitchFamily="66" charset="0"/>
               <a:buChar char="•"/>
+              <a:tabLst/>
               <a:defRPr/>
             </a:pPr>
             <a:r>
@@ -16321,11 +16639,11 @@
                   </a:schemeClr>
                 </a:solidFill>
               </a:rPr>
-              <a:t>PowerShell Core/PowerShell </a:t>
+              <a:t>Linux</a:t>
             </a:r>
           </a:p>
           <a:p>
-            <a:pPr marL="285750" lvl="1" indent="-228600" fontAlgn="base">
+            <a:pPr marL="285750" marR="0" lvl="1" indent="-228600" fontAlgn="base">
               <a:lnSpc>
                 <a:spcPct val="120000"/>
               </a:lnSpc>
@@ -16338,8 +16656,10 @@
               <a:buClr>
                 <a:schemeClr val="accent4"/>
               </a:buClr>
+              <a:buSzTx/>
               <a:buFont typeface="The Hand Extrablack" panose="03070A02030502020204" pitchFamily="66" charset="0"/>
               <a:buChar char="•"/>
+              <a:tabLst/>
               <a:defRPr/>
             </a:pPr>
             <a:r>
@@ -16356,88 +16676,7 @@
                 <a:uLnTx/>
                 <a:uFillTx/>
               </a:rPr>
-              <a:t>Windows Terminal</a:t>
-            </a:r>
-          </a:p>
-          <a:p>
-            <a:pPr marL="285750" lvl="1" indent="-228600" fontAlgn="base">
-              <a:lnSpc>
-                <a:spcPct val="120000"/>
-              </a:lnSpc>
-              <a:spcBef>
-                <a:spcPts val="600"/>
-              </a:spcBef>
-              <a:spcAft>
-                <a:spcPts val="300"/>
-              </a:spcAft>
-              <a:buClr>
-                <a:schemeClr val="accent4"/>
-              </a:buClr>
-              <a:buFont typeface="The Hand Extrablack" panose="03070A02030502020204" pitchFamily="66" charset="0"/>
-              <a:buChar char="•"/>
-              <a:defRPr/>
-            </a:pPr>
-            <a:r>
-              <a:rPr kumimoji="0" lang="en-US" sz="2000" b="0" i="0" u="none" strike="noStrike" cap="none" spc="20" normalizeH="0" noProof="0" dirty="0">
-                <a:ln>
-                  <a:noFill/>
-                </a:ln>
-                <a:solidFill>
-                  <a:schemeClr val="tx1">
-                    <a:alpha val="58000"/>
-                  </a:schemeClr>
-                </a:solidFill>
-                <a:effectLst/>
-                <a:uLnTx/>
-                <a:uFillTx/>
-              </a:rPr>
-              <a:t>IDE </a:t>
-            </a:r>
-            <a:r>
-              <a:rPr lang="en-US" sz="2000" spc="20" dirty="0">
-                <a:solidFill>
-                  <a:schemeClr val="tx1">
-                    <a:alpha val="58000"/>
-                  </a:schemeClr>
-                </a:solidFill>
-              </a:rPr>
-              <a:t>(</a:t>
-            </a:r>
-            <a:r>
-              <a:rPr lang="en-US" sz="2000" spc="20" dirty="0" err="1">
-                <a:solidFill>
-                  <a:schemeClr val="tx1">
-                    <a:alpha val="58000"/>
-                  </a:schemeClr>
-                </a:solidFill>
-              </a:rPr>
-              <a:t>zoals</a:t>
-            </a:r>
-            <a:r>
-              <a:rPr lang="en-US" sz="2000" spc="20" dirty="0">
-                <a:solidFill>
-                  <a:schemeClr val="tx1">
-                    <a:alpha val="58000"/>
-                  </a:schemeClr>
-                </a:solidFill>
-              </a:rPr>
-              <a:t> </a:t>
-            </a:r>
-            <a:r>
-              <a:rPr kumimoji="0" lang="en-US" sz="2000" b="0" i="0" u="none" strike="noStrike" cap="none" spc="20" normalizeH="0" noProof="0" dirty="0">
-                <a:ln>
-                  <a:noFill/>
-                </a:ln>
-                <a:solidFill>
-                  <a:schemeClr val="tx1">
-                    <a:alpha val="58000"/>
-                  </a:schemeClr>
-                </a:solidFill>
-                <a:effectLst/>
-                <a:uLnTx/>
-                <a:uFillTx/>
-              </a:rPr>
-              <a:t>Visual Studio Code of ISE)</a:t>
+              <a:t>MacOS</a:t>
             </a:r>
           </a:p>
           <a:p>
@@ -16490,61 +16729,22 @@
               </a:rPr>
               <a:t>CloudShell</a:t>
             </a:r>
-            <a:endParaRPr kumimoji="0" lang="en-US" sz="2000" b="0" i="0" u="none" strike="noStrike" cap="none" spc="20" normalizeH="0" noProof="0" dirty="0">
-              <a:ln>
-                <a:noFill/>
-              </a:ln>
-              <a:solidFill>
-                <a:schemeClr val="tx1">
-                  <a:alpha val="58000"/>
-                </a:schemeClr>
-              </a:solidFill>
-              <a:effectLst/>
-              <a:uLnTx/>
-              <a:uFillTx/>
-            </a:endParaRPr>
-          </a:p>
-          <a:p>
-            <a:pPr marL="285750" lvl="1" indent="-228600" fontAlgn="base">
-              <a:lnSpc>
-                <a:spcPct val="120000"/>
-              </a:lnSpc>
-              <a:spcBef>
-                <a:spcPts val="600"/>
-              </a:spcBef>
-              <a:spcAft>
-                <a:spcPts val="300"/>
-              </a:spcAft>
-              <a:buClr>
-                <a:schemeClr val="accent4"/>
-              </a:buClr>
-              <a:buFont typeface="The Hand Extrablack" panose="03070A02030502020204" pitchFamily="66" charset="0"/>
-              <a:buChar char="•"/>
-              <a:defRPr/>
-            </a:pPr>
             <a:r>
-              <a:rPr lang="en-US" sz="2000" spc="20" dirty="0">
+              <a:rPr kumimoji="0" lang="en-US" sz="2000" b="0" i="0" u="none" strike="noStrike" cap="none" spc="20" normalizeH="0" noProof="0" dirty="0">
+                <a:ln>
+                  <a:noFill/>
+                </a:ln>
                 <a:solidFill>
                   <a:schemeClr val="tx1">
                     <a:alpha val="58000"/>
                   </a:schemeClr>
                 </a:solidFill>
+                <a:effectLst/>
+                <a:uLnTx/>
+                <a:uFillTx/>
               </a:rPr>
-              <a:t>PowerShell Preview</a:t>
+              <a:t> (via browser)</a:t>
             </a:r>
-            <a:endParaRPr kumimoji="0" lang="en-US" sz="2000" b="0" i="0" u="none" strike="noStrike" cap="none" spc="20" normalizeH="0" noProof="0" dirty="0">
-              <a:ln>
-                <a:noFill/>
-              </a:ln>
-              <a:solidFill>
-                <a:schemeClr val="tx1">
-                  <a:alpha val="58000"/>
-                </a:schemeClr>
-              </a:solidFill>
-              <a:effectLst/>
-              <a:uLnTx/>
-              <a:uFillTx/>
-            </a:endParaRPr>
           </a:p>
         </p:txBody>
       </p:sp>
@@ -17098,26 +17298,39 @@
                                   </p:childTnLst>
                                 </p:cTn>
                               </p:par>
-                            </p:childTnLst>
-                          </p:cTn>
-                        </p:par>
-                      </p:childTnLst>
-                    </p:cTn>
-                  </p:par>
-                  <p:par>
-                    <p:cTn id="7" fill="hold">
-                      <p:stCondLst>
-                        <p:cond delay="indefinite"/>
-                      </p:stCondLst>
-                      <p:childTnLst>
-                        <p:par>
-                          <p:cTn id="8" fill="hold">
-                            <p:stCondLst>
-                              <p:cond delay="0"/>
-                            </p:stCondLst>
-                            <p:childTnLst>
                               <p:par>
-                                <p:cTn id="9" presetID="1" presetClass="entr" presetSubtype="0" fill="hold" grpId="0" nodeType="clickEffect">
+                                <p:cTn id="7" presetID="1" presetClass="entr" presetSubtype="0" fill="hold" grpId="0" nodeType="withEffect">
+                                  <p:stCondLst>
+                                    <p:cond delay="0"/>
+                                  </p:stCondLst>
+                                  <p:childTnLst>
+                                    <p:set>
+                                      <p:cBhvr>
+                                        <p:cTn id="8" dur="1" fill="hold">
+                                          <p:stCondLst>
+                                            <p:cond delay="0"/>
+                                          </p:stCondLst>
+                                        </p:cTn>
+                                        <p:tgtEl>
+                                          <p:spTgt spid="48">
+                                            <p:txEl>
+                                              <p:pRg st="1" end="1"/>
+                                            </p:txEl>
+                                          </p:spTgt>
+                                        </p:tgtEl>
+                                        <p:attrNameLst>
+                                          <p:attrName>style.visibility</p:attrName>
+                                        </p:attrNameLst>
+                                      </p:cBhvr>
+                                      <p:to>
+                                        <p:strVal val="visible"/>
+                                      </p:to>
+                                    </p:set>
+                                  </p:childTnLst>
+                                </p:cTn>
+                              </p:par>
+                              <p:par>
+                                <p:cTn id="9" presetID="1" presetClass="entr" presetSubtype="0" fill="hold" grpId="0" nodeType="withEffect">
                                   <p:stCondLst>
                                     <p:cond delay="0"/>
                                   </p:stCondLst>
@@ -17132,7 +17345,7 @@
                                         <p:tgtEl>
                                           <p:spTgt spid="48">
                                             <p:txEl>
-                                              <p:pRg st="1" end="1"/>
+                                              <p:pRg st="2" end="2"/>
                                             </p:txEl>
                                           </p:spTgt>
                                         </p:tgtEl>
@@ -17181,154 +17394,7 @@
                                         <p:tgtEl>
                                           <p:spTgt spid="48">
                                             <p:txEl>
-                                              <p:pRg st="2" end="2"/>
-                                            </p:txEl>
-                                          </p:spTgt>
-                                        </p:tgtEl>
-                                        <p:attrNameLst>
-                                          <p:attrName>style.visibility</p:attrName>
-                                        </p:attrNameLst>
-                                      </p:cBhvr>
-                                      <p:to>
-                                        <p:strVal val="visible"/>
-                                      </p:to>
-                                    </p:set>
-                                  </p:childTnLst>
-                                </p:cTn>
-                              </p:par>
-                            </p:childTnLst>
-                          </p:cTn>
-                        </p:par>
-                      </p:childTnLst>
-                    </p:cTn>
-                  </p:par>
-                  <p:par>
-                    <p:cTn id="15" fill="hold">
-                      <p:stCondLst>
-                        <p:cond delay="indefinite"/>
-                      </p:stCondLst>
-                      <p:childTnLst>
-                        <p:par>
-                          <p:cTn id="16" fill="hold">
-                            <p:stCondLst>
-                              <p:cond delay="0"/>
-                            </p:stCondLst>
-                            <p:childTnLst>
-                              <p:par>
-                                <p:cTn id="17" presetID="1" presetClass="entr" presetSubtype="0" fill="hold" grpId="0" nodeType="clickEffect">
-                                  <p:stCondLst>
-                                    <p:cond delay="0"/>
-                                  </p:stCondLst>
-                                  <p:childTnLst>
-                                    <p:set>
-                                      <p:cBhvr>
-                                        <p:cTn id="18" dur="1" fill="hold">
-                                          <p:stCondLst>
-                                            <p:cond delay="0"/>
-                                          </p:stCondLst>
-                                        </p:cTn>
-                                        <p:tgtEl>
-                                          <p:spTgt spid="48">
-                                            <p:txEl>
                                               <p:pRg st="3" end="3"/>
-                                            </p:txEl>
-                                          </p:spTgt>
-                                        </p:tgtEl>
-                                        <p:attrNameLst>
-                                          <p:attrName>style.visibility</p:attrName>
-                                        </p:attrNameLst>
-                                      </p:cBhvr>
-                                      <p:to>
-                                        <p:strVal val="visible"/>
-                                      </p:to>
-                                    </p:set>
-                                  </p:childTnLst>
-                                </p:cTn>
-                              </p:par>
-                            </p:childTnLst>
-                          </p:cTn>
-                        </p:par>
-                      </p:childTnLst>
-                    </p:cTn>
-                  </p:par>
-                  <p:par>
-                    <p:cTn id="19" fill="hold">
-                      <p:stCondLst>
-                        <p:cond delay="indefinite"/>
-                      </p:stCondLst>
-                      <p:childTnLst>
-                        <p:par>
-                          <p:cTn id="20" fill="hold">
-                            <p:stCondLst>
-                              <p:cond delay="0"/>
-                            </p:stCondLst>
-                            <p:childTnLst>
-                              <p:par>
-                                <p:cTn id="21" presetID="1" presetClass="entr" presetSubtype="0" fill="hold" grpId="0" nodeType="clickEffect">
-                                  <p:stCondLst>
-                                    <p:cond delay="0"/>
-                                  </p:stCondLst>
-                                  <p:childTnLst>
-                                    <p:set>
-                                      <p:cBhvr>
-                                        <p:cTn id="22" dur="1" fill="hold">
-                                          <p:stCondLst>
-                                            <p:cond delay="0"/>
-                                          </p:stCondLst>
-                                        </p:cTn>
-                                        <p:tgtEl>
-                                          <p:spTgt spid="48">
-                                            <p:txEl>
-                                              <p:pRg st="4" end="4"/>
-                                            </p:txEl>
-                                          </p:spTgt>
-                                        </p:tgtEl>
-                                        <p:attrNameLst>
-                                          <p:attrName>style.visibility</p:attrName>
-                                        </p:attrNameLst>
-                                      </p:cBhvr>
-                                      <p:to>
-                                        <p:strVal val="visible"/>
-                                      </p:to>
-                                    </p:set>
-                                  </p:childTnLst>
-                                </p:cTn>
-                              </p:par>
-                            </p:childTnLst>
-                          </p:cTn>
-                        </p:par>
-                      </p:childTnLst>
-                    </p:cTn>
-                  </p:par>
-                  <p:par>
-                    <p:cTn id="23" fill="hold">
-                      <p:stCondLst>
-                        <p:cond delay="indefinite"/>
-                      </p:stCondLst>
-                      <p:childTnLst>
-                        <p:par>
-                          <p:cTn id="24" fill="hold">
-                            <p:stCondLst>
-                              <p:cond delay="0"/>
-                            </p:stCondLst>
-                            <p:childTnLst>
-                              <p:par>
-                                <p:cTn id="25" presetID="1" presetClass="entr" presetSubtype="0" fill="hold" grpId="0" nodeType="clickEffect">
-                                  <p:stCondLst>
-                                    <p:cond delay="0"/>
-                                  </p:stCondLst>
-                                  <p:childTnLst>
-                                    <p:set>
-                                      <p:cBhvr>
-                                        <p:cTn id="26" dur="1" fill="hold">
-                                          <p:stCondLst>
-                                            <p:cond delay="0"/>
-                                          </p:stCondLst>
-                                        </p:cTn>
-                                        <p:tgtEl>
-                                          <p:spTgt spid="48">
-                                            <p:txEl>
-                                              <p:pRg st="5" end="5"/>
                                             </p:txEl>
                                           </p:spTgt>
                                         </p:tgtEl>
